--- a/Architecture.pptx
+++ b/Architecture.pptx
@@ -104,6 +104,11 @@
       </a:defRPr>
     </a:lvl9pPr>
   </p:defaultTextStyle>
+  <p:extLst>
+    <p:ext uri="{EFAFB233-063F-42B5-8137-9DF3F51BA10A}">
+      <p15:sldGuideLst xmlns:p15="http://schemas.microsoft.com/office/powerpoint/2012/main"/>
+    </p:ext>
+  </p:extLst>
 </p:presentation>
 </file>
 
@@ -149,7 +154,7 @@
           </a:lstStyle>
           <a:p>
             <a:r>
-              <a:rPr lang="en-US" smtClean="0"/>
+              <a:rPr lang="en-US"/>
               <a:t>Click to edit Master title style</a:t>
             </a:r>
             <a:endParaRPr lang="en-CA"/>
@@ -214,7 +219,7 @@
           </a:lstStyle>
           <a:p>
             <a:r>
-              <a:rPr lang="en-US" smtClean="0"/>
+              <a:rPr lang="en-US"/>
               <a:t>Click to edit Master subtitle style</a:t>
             </a:r>
             <a:endParaRPr lang="en-CA"/>
@@ -332,7 +337,7 @@
           <a:lstStyle/>
           <a:p>
             <a:r>
-              <a:rPr lang="en-US" smtClean="0"/>
+              <a:rPr lang="en-US"/>
               <a:t>Click to edit Master title style</a:t>
             </a:r>
             <a:endParaRPr lang="en-CA"/>
@@ -356,35 +361,35 @@
           <a:p>
             <a:pPr lvl="0"/>
             <a:r>
-              <a:rPr lang="en-US" smtClean="0"/>
+              <a:rPr lang="en-US"/>
               <a:t>Edit Master text styles</a:t>
             </a:r>
           </a:p>
           <a:p>
             <a:pPr lvl="1"/>
             <a:r>
-              <a:rPr lang="en-US" smtClean="0"/>
+              <a:rPr lang="en-US"/>
               <a:t>Second level</a:t>
             </a:r>
           </a:p>
           <a:p>
             <a:pPr lvl="2"/>
             <a:r>
-              <a:rPr lang="en-US" smtClean="0"/>
+              <a:rPr lang="en-US"/>
               <a:t>Third level</a:t>
             </a:r>
           </a:p>
           <a:p>
             <a:pPr lvl="3"/>
             <a:r>
-              <a:rPr lang="en-US" smtClean="0"/>
+              <a:rPr lang="en-US"/>
               <a:t>Fourth level</a:t>
             </a:r>
           </a:p>
           <a:p>
             <a:pPr lvl="4"/>
             <a:r>
-              <a:rPr lang="en-US" smtClean="0"/>
+              <a:rPr lang="en-US"/>
               <a:t>Fifth level</a:t>
             </a:r>
             <a:endParaRPr lang="en-CA"/>
@@ -507,7 +512,7 @@
           <a:lstStyle/>
           <a:p>
             <a:r>
-              <a:rPr lang="en-US" smtClean="0"/>
+              <a:rPr lang="en-US"/>
               <a:t>Click to edit Master title style</a:t>
             </a:r>
             <a:endParaRPr lang="en-CA"/>
@@ -536,35 +541,35 @@
           <a:p>
             <a:pPr lvl="0"/>
             <a:r>
-              <a:rPr lang="en-US" smtClean="0"/>
+              <a:rPr lang="en-US"/>
               <a:t>Edit Master text styles</a:t>
             </a:r>
           </a:p>
           <a:p>
             <a:pPr lvl="1"/>
             <a:r>
-              <a:rPr lang="en-US" smtClean="0"/>
+              <a:rPr lang="en-US"/>
               <a:t>Second level</a:t>
             </a:r>
           </a:p>
           <a:p>
             <a:pPr lvl="2"/>
             <a:r>
-              <a:rPr lang="en-US" smtClean="0"/>
+              <a:rPr lang="en-US"/>
               <a:t>Third level</a:t>
             </a:r>
           </a:p>
           <a:p>
             <a:pPr lvl="3"/>
             <a:r>
-              <a:rPr lang="en-US" smtClean="0"/>
+              <a:rPr lang="en-US"/>
               <a:t>Fourth level</a:t>
             </a:r>
           </a:p>
           <a:p>
             <a:pPr lvl="4"/>
             <a:r>
-              <a:rPr lang="en-US" smtClean="0"/>
+              <a:rPr lang="en-US"/>
               <a:t>Fifth level</a:t>
             </a:r>
             <a:endParaRPr lang="en-CA"/>
@@ -682,7 +687,7 @@
           <a:lstStyle/>
           <a:p>
             <a:r>
-              <a:rPr lang="en-US" smtClean="0"/>
+              <a:rPr lang="en-US"/>
               <a:t>Click to edit Master title style</a:t>
             </a:r>
             <a:endParaRPr lang="en-CA"/>
@@ -706,35 +711,35 @@
           <a:p>
             <a:pPr lvl="0"/>
             <a:r>
-              <a:rPr lang="en-US" smtClean="0"/>
+              <a:rPr lang="en-US"/>
               <a:t>Edit Master text styles</a:t>
             </a:r>
           </a:p>
           <a:p>
             <a:pPr lvl="1"/>
             <a:r>
-              <a:rPr lang="en-US" smtClean="0"/>
+              <a:rPr lang="en-US"/>
               <a:t>Second level</a:t>
             </a:r>
           </a:p>
           <a:p>
             <a:pPr lvl="2"/>
             <a:r>
-              <a:rPr lang="en-US" smtClean="0"/>
+              <a:rPr lang="en-US"/>
               <a:t>Third level</a:t>
             </a:r>
           </a:p>
           <a:p>
             <a:pPr lvl="3"/>
             <a:r>
-              <a:rPr lang="en-US" smtClean="0"/>
+              <a:rPr lang="en-US"/>
               <a:t>Fourth level</a:t>
             </a:r>
           </a:p>
           <a:p>
             <a:pPr lvl="4"/>
             <a:r>
-              <a:rPr lang="en-US" smtClean="0"/>
+              <a:rPr lang="en-US"/>
               <a:t>Fifth level</a:t>
             </a:r>
             <a:endParaRPr lang="en-CA"/>
@@ -861,7 +866,7 @@
           </a:lstStyle>
           <a:p>
             <a:r>
-              <a:rPr lang="en-US" smtClean="0"/>
+              <a:rPr lang="en-US"/>
               <a:t>Click to edit Master title style</a:t>
             </a:r>
             <a:endParaRPr lang="en-CA"/>
@@ -981,7 +986,7 @@
           <a:p>
             <a:pPr lvl="0"/>
             <a:r>
-              <a:rPr lang="en-US" smtClean="0"/>
+              <a:rPr lang="en-US"/>
               <a:t>Edit Master text styles</a:t>
             </a:r>
           </a:p>
@@ -1098,7 +1103,7 @@
           <a:lstStyle/>
           <a:p>
             <a:r>
-              <a:rPr lang="en-US" smtClean="0"/>
+              <a:rPr lang="en-US"/>
               <a:t>Click to edit Master title style</a:t>
             </a:r>
             <a:endParaRPr lang="en-CA"/>
@@ -1127,35 +1132,35 @@
           <a:p>
             <a:pPr lvl="0"/>
             <a:r>
-              <a:rPr lang="en-US" smtClean="0"/>
+              <a:rPr lang="en-US"/>
               <a:t>Edit Master text styles</a:t>
             </a:r>
           </a:p>
           <a:p>
             <a:pPr lvl="1"/>
             <a:r>
-              <a:rPr lang="en-US" smtClean="0"/>
+              <a:rPr lang="en-US"/>
               <a:t>Second level</a:t>
             </a:r>
           </a:p>
           <a:p>
             <a:pPr lvl="2"/>
             <a:r>
-              <a:rPr lang="en-US" smtClean="0"/>
+              <a:rPr lang="en-US"/>
               <a:t>Third level</a:t>
             </a:r>
           </a:p>
           <a:p>
             <a:pPr lvl="3"/>
             <a:r>
-              <a:rPr lang="en-US" smtClean="0"/>
+              <a:rPr lang="en-US"/>
               <a:t>Fourth level</a:t>
             </a:r>
           </a:p>
           <a:p>
             <a:pPr lvl="4"/>
             <a:r>
-              <a:rPr lang="en-US" smtClean="0"/>
+              <a:rPr lang="en-US"/>
               <a:t>Fifth level</a:t>
             </a:r>
             <a:endParaRPr lang="en-CA"/>
@@ -1184,35 +1189,35 @@
           <a:p>
             <a:pPr lvl="0"/>
             <a:r>
-              <a:rPr lang="en-US" smtClean="0"/>
+              <a:rPr lang="en-US"/>
               <a:t>Edit Master text styles</a:t>
             </a:r>
           </a:p>
           <a:p>
             <a:pPr lvl="1"/>
             <a:r>
-              <a:rPr lang="en-US" smtClean="0"/>
+              <a:rPr lang="en-US"/>
               <a:t>Second level</a:t>
             </a:r>
           </a:p>
           <a:p>
             <a:pPr lvl="2"/>
             <a:r>
-              <a:rPr lang="en-US" smtClean="0"/>
+              <a:rPr lang="en-US"/>
               <a:t>Third level</a:t>
             </a:r>
           </a:p>
           <a:p>
             <a:pPr lvl="3"/>
             <a:r>
-              <a:rPr lang="en-US" smtClean="0"/>
+              <a:rPr lang="en-US"/>
               <a:t>Fourth level</a:t>
             </a:r>
           </a:p>
           <a:p>
             <a:pPr lvl="4"/>
             <a:r>
-              <a:rPr lang="en-US" smtClean="0"/>
+              <a:rPr lang="en-US"/>
               <a:t>Fifth level</a:t>
             </a:r>
             <a:endParaRPr lang="en-CA"/>
@@ -1335,7 +1340,7 @@
           <a:lstStyle/>
           <a:p>
             <a:r>
-              <a:rPr lang="en-US" smtClean="0"/>
+              <a:rPr lang="en-US"/>
               <a:t>Click to edit Master title style</a:t>
             </a:r>
             <a:endParaRPr lang="en-CA"/>
@@ -1401,7 +1406,7 @@
           <a:p>
             <a:pPr lvl="0"/>
             <a:r>
-              <a:rPr lang="en-US" smtClean="0"/>
+              <a:rPr lang="en-US"/>
               <a:t>Edit Master text styles</a:t>
             </a:r>
           </a:p>
@@ -1429,35 +1434,35 @@
           <a:p>
             <a:pPr lvl="0"/>
             <a:r>
-              <a:rPr lang="en-US" smtClean="0"/>
+              <a:rPr lang="en-US"/>
               <a:t>Edit Master text styles</a:t>
             </a:r>
           </a:p>
           <a:p>
             <a:pPr lvl="1"/>
             <a:r>
-              <a:rPr lang="en-US" smtClean="0"/>
+              <a:rPr lang="en-US"/>
               <a:t>Second level</a:t>
             </a:r>
           </a:p>
           <a:p>
             <a:pPr lvl="2"/>
             <a:r>
-              <a:rPr lang="en-US" smtClean="0"/>
+              <a:rPr lang="en-US"/>
               <a:t>Third level</a:t>
             </a:r>
           </a:p>
           <a:p>
             <a:pPr lvl="3"/>
             <a:r>
-              <a:rPr lang="en-US" smtClean="0"/>
+              <a:rPr lang="en-US"/>
               <a:t>Fourth level</a:t>
             </a:r>
           </a:p>
           <a:p>
             <a:pPr lvl="4"/>
             <a:r>
-              <a:rPr lang="en-US" smtClean="0"/>
+              <a:rPr lang="en-US"/>
               <a:t>Fifth level</a:t>
             </a:r>
             <a:endParaRPr lang="en-CA"/>
@@ -1523,7 +1528,7 @@
           <a:p>
             <a:pPr lvl="0"/>
             <a:r>
-              <a:rPr lang="en-US" smtClean="0"/>
+              <a:rPr lang="en-US"/>
               <a:t>Edit Master text styles</a:t>
             </a:r>
           </a:p>
@@ -1551,35 +1556,35 @@
           <a:p>
             <a:pPr lvl="0"/>
             <a:r>
-              <a:rPr lang="en-US" smtClean="0"/>
+              <a:rPr lang="en-US"/>
               <a:t>Edit Master text styles</a:t>
             </a:r>
           </a:p>
           <a:p>
             <a:pPr lvl="1"/>
             <a:r>
-              <a:rPr lang="en-US" smtClean="0"/>
+              <a:rPr lang="en-US"/>
               <a:t>Second level</a:t>
             </a:r>
           </a:p>
           <a:p>
             <a:pPr lvl="2"/>
             <a:r>
-              <a:rPr lang="en-US" smtClean="0"/>
+              <a:rPr lang="en-US"/>
               <a:t>Third level</a:t>
             </a:r>
           </a:p>
           <a:p>
             <a:pPr lvl="3"/>
             <a:r>
-              <a:rPr lang="en-US" smtClean="0"/>
+              <a:rPr lang="en-US"/>
               <a:t>Fourth level</a:t>
             </a:r>
           </a:p>
           <a:p>
             <a:pPr lvl="4"/>
             <a:r>
-              <a:rPr lang="en-US" smtClean="0"/>
+              <a:rPr lang="en-US"/>
               <a:t>Fifth level</a:t>
             </a:r>
             <a:endParaRPr lang="en-CA"/>
@@ -1697,7 +1702,7 @@
           <a:lstStyle/>
           <a:p>
             <a:r>
-              <a:rPr lang="en-US" smtClean="0"/>
+              <a:rPr lang="en-US"/>
               <a:t>Click to edit Master title style</a:t>
             </a:r>
             <a:endParaRPr lang="en-CA"/>
@@ -1919,7 +1924,7 @@
           </a:lstStyle>
           <a:p>
             <a:r>
-              <a:rPr lang="en-US" smtClean="0"/>
+              <a:rPr lang="en-US"/>
               <a:t>Click to edit Master title style</a:t>
             </a:r>
             <a:endParaRPr lang="en-CA"/>
@@ -1976,35 +1981,35 @@
           <a:p>
             <a:pPr lvl="0"/>
             <a:r>
-              <a:rPr lang="en-US" smtClean="0"/>
+              <a:rPr lang="en-US"/>
               <a:t>Edit Master text styles</a:t>
             </a:r>
           </a:p>
           <a:p>
             <a:pPr lvl="1"/>
             <a:r>
-              <a:rPr lang="en-US" smtClean="0"/>
+              <a:rPr lang="en-US"/>
               <a:t>Second level</a:t>
             </a:r>
           </a:p>
           <a:p>
             <a:pPr lvl="2"/>
             <a:r>
-              <a:rPr lang="en-US" smtClean="0"/>
+              <a:rPr lang="en-US"/>
               <a:t>Third level</a:t>
             </a:r>
           </a:p>
           <a:p>
             <a:pPr lvl="3"/>
             <a:r>
-              <a:rPr lang="en-US" smtClean="0"/>
+              <a:rPr lang="en-US"/>
               <a:t>Fourth level</a:t>
             </a:r>
           </a:p>
           <a:p>
             <a:pPr lvl="4"/>
             <a:r>
-              <a:rPr lang="en-US" smtClean="0"/>
+              <a:rPr lang="en-US"/>
               <a:t>Fifth level</a:t>
             </a:r>
             <a:endParaRPr lang="en-CA"/>
@@ -2070,7 +2075,7 @@
           <a:p>
             <a:pPr lvl="0"/>
             <a:r>
-              <a:rPr lang="en-US" smtClean="0"/>
+              <a:rPr lang="en-US"/>
               <a:t>Edit Master text styles</a:t>
             </a:r>
           </a:p>
@@ -2196,7 +2201,7 @@
           </a:lstStyle>
           <a:p>
             <a:r>
-              <a:rPr lang="en-US" smtClean="0"/>
+              <a:rPr lang="en-US"/>
               <a:t>Click to edit Master title style</a:t>
             </a:r>
             <a:endParaRPr lang="en-CA"/>
@@ -2323,7 +2328,7 @@
           <a:p>
             <a:pPr lvl="0"/>
             <a:r>
-              <a:rPr lang="en-US" smtClean="0"/>
+              <a:rPr lang="en-US"/>
               <a:t>Edit Master text styles</a:t>
             </a:r>
           </a:p>
@@ -2455,7 +2460,7 @@
           <a:lstStyle/>
           <a:p>
             <a:r>
-              <a:rPr lang="en-US" smtClean="0"/>
+              <a:rPr lang="en-US"/>
               <a:t>Click to edit Master title style</a:t>
             </a:r>
             <a:endParaRPr lang="en-CA"/>
@@ -2489,35 +2494,35 @@
           <a:p>
             <a:pPr lvl="0"/>
             <a:r>
-              <a:rPr lang="en-US" smtClean="0"/>
+              <a:rPr lang="en-US"/>
               <a:t>Edit Master text styles</a:t>
             </a:r>
           </a:p>
           <a:p>
             <a:pPr lvl="1"/>
             <a:r>
-              <a:rPr lang="en-US" smtClean="0"/>
+              <a:rPr lang="en-US"/>
               <a:t>Second level</a:t>
             </a:r>
           </a:p>
           <a:p>
             <a:pPr lvl="2"/>
             <a:r>
-              <a:rPr lang="en-US" smtClean="0"/>
+              <a:rPr lang="en-US"/>
               <a:t>Third level</a:t>
             </a:r>
           </a:p>
           <a:p>
             <a:pPr lvl="3"/>
             <a:r>
-              <a:rPr lang="en-US" smtClean="0"/>
+              <a:rPr lang="en-US"/>
               <a:t>Fourth level</a:t>
             </a:r>
           </a:p>
           <a:p>
             <a:pPr lvl="4"/>
             <a:r>
-              <a:rPr lang="en-US" smtClean="0"/>
+              <a:rPr lang="en-US"/>
               <a:t>Fifth level</a:t>
             </a:r>
             <a:endParaRPr lang="en-CA"/>
@@ -3021,8 +3026,8 @@
         </p:nvSpPr>
         <p:spPr>
           <a:xfrm>
-            <a:off x="10167559" y="169484"/>
-            <a:ext cx="1832105" cy="276999"/>
+            <a:off x="3651997" y="170481"/>
+            <a:ext cx="4420826" cy="369332"/>
           </a:xfrm>
           <a:prstGeom prst="rect">
             <a:avLst/>
@@ -3036,11 +3041,11 @@
           <a:lstStyle/>
           <a:p>
             <a:r>
-              <a:rPr lang="en-CA" sz="1200" dirty="0" smtClean="0">
+              <a:rPr lang="en-CA" b="1" dirty="0">
                 <a:latin typeface="Arial" panose="020B0604020202020204" pitchFamily="34" charset="0"/>
                 <a:cs typeface="Arial" panose="020B0604020202020204" pitchFamily="34" charset="0"/>
               </a:rPr>
-              <a:t>News Analytics Platform</a:t>
+              <a:t>News Analytics Platform Process Flow</a:t>
             </a:r>
           </a:p>
         </p:txBody>
@@ -3053,8 +3058,8 @@
         </p:nvSpPr>
         <p:spPr>
           <a:xfrm>
-            <a:off x="221894" y="5456532"/>
-            <a:ext cx="1178015" cy="646331"/>
+            <a:off x="345003" y="5505576"/>
+            <a:ext cx="1067793" cy="584775"/>
           </a:xfrm>
           <a:prstGeom prst="rect">
             <a:avLst/>
@@ -3068,16 +3073,15 @@
           <a:lstStyle/>
           <a:p>
             <a:r>
-              <a:rPr lang="en-CA" dirty="0" smtClean="0"/>
+              <a:rPr lang="en-CA" sz="1600" dirty="0"/>
               <a:t>Data </a:t>
             </a:r>
           </a:p>
           <a:p>
             <a:r>
-              <a:rPr lang="en-CA" dirty="0" smtClean="0"/>
+              <a:rPr lang="en-CA" sz="1600" dirty="0"/>
               <a:t>Processing</a:t>
             </a:r>
-            <a:endParaRPr lang="en-CA" dirty="0"/>
           </a:p>
         </p:txBody>
       </p:sp>
@@ -3219,10 +3223,9 @@
               <a:p>
                 <a:pPr algn="ctr"/>
                 <a:r>
-                  <a:rPr lang="en-CA" sz="1200" dirty="0" smtClean="0"/>
+                  <a:rPr lang="en-CA" sz="1200" dirty="0"/>
                   <a:t>MongoDB</a:t>
                 </a:r>
-                <a:endParaRPr lang="en-CA" sz="1200" dirty="0"/>
               </a:p>
             </p:txBody>
           </p:sp>
@@ -3263,10 +3266,9 @@
               <a:p>
                 <a:pPr algn="ctr"/>
                 <a:r>
-                  <a:rPr lang="en-CA" sz="1400" dirty="0" smtClean="0"/>
+                  <a:rPr lang="en-CA" sz="1400" dirty="0"/>
                   <a:t>Fetch articles</a:t>
                 </a:r>
-                <a:endParaRPr lang="en-CA" sz="1400" dirty="0"/>
               </a:p>
             </p:txBody>
           </p:sp>
@@ -3346,8 +3348,8 @@
               <a:p>
                 <a:pPr algn="ctr"/>
                 <a:r>
-                  <a:rPr lang="en-CA" dirty="0" smtClean="0"/>
-                  <a:t>NLP</a:t>
+                  <a:rPr lang="en-CA" sz="1600" dirty="0"/>
+                  <a:t>TAP</a:t>
                 </a:r>
                 <a:endParaRPr lang="en-CA" dirty="0"/>
               </a:p>
@@ -3390,7 +3392,7 @@
               <a:p>
                 <a:pPr algn="ctr"/>
                 <a:r>
-                  <a:rPr lang="en-CA" sz="1600" dirty="0" smtClean="0"/>
+                  <a:rPr lang="en-CA" sz="1600" dirty="0"/>
                   <a:t>Data</a:t>
                 </a:r>
                 <a:endParaRPr lang="en-CA" sz="4400" dirty="0"/>
@@ -3540,7 +3542,7 @@
         </p:nvSpPr>
         <p:spPr>
           <a:xfrm>
-            <a:off x="256607" y="3557764"/>
+            <a:off x="221894" y="4551234"/>
             <a:ext cx="1031051" cy="369332"/>
           </a:xfrm>
           <a:prstGeom prst="rect">
@@ -3555,10 +3557,9 @@
           <a:lstStyle/>
           <a:p>
             <a:r>
-              <a:rPr lang="en-CA" dirty="0" smtClean="0"/>
+              <a:rPr lang="en-CA" dirty="0"/>
               <a:t>Back End</a:t>
             </a:r>
-            <a:endParaRPr lang="en-CA" dirty="0"/>
           </a:p>
         </p:txBody>
       </p:sp>
@@ -3585,10 +3586,9 @@
           <a:lstStyle/>
           <a:p>
             <a:r>
-              <a:rPr lang="en-CA" dirty="0" smtClean="0"/>
+              <a:rPr lang="en-CA" dirty="0"/>
               <a:t>Front End</a:t>
             </a:r>
-            <a:endParaRPr lang="en-CA" dirty="0"/>
           </a:p>
         </p:txBody>
       </p:sp>
@@ -3600,8 +3600,220 @@
         </p:nvCxnSpPr>
         <p:spPr>
           <a:xfrm>
-            <a:off x="8913176" y="3927096"/>
+            <a:off x="9060702" y="3927096"/>
             <a:ext cx="0" cy="1106529"/>
+          </a:xfrm>
+          <a:prstGeom prst="straightConnector1">
+            <a:avLst/>
+          </a:prstGeom>
+          <a:ln w="6350">
+            <a:solidFill>
+              <a:schemeClr val="tx1"/>
+            </a:solidFill>
+            <a:headEnd type="triangle" w="med" len="med"/>
+            <a:tailEnd type="triangle" w="med" len="med"/>
+          </a:ln>
+        </p:spPr>
+        <p:style>
+          <a:lnRef idx="1">
+            <a:schemeClr val="accent1"/>
+          </a:lnRef>
+          <a:fillRef idx="0">
+            <a:schemeClr val="accent1"/>
+          </a:fillRef>
+          <a:effectRef idx="0">
+            <a:schemeClr val="accent1"/>
+          </a:effectRef>
+          <a:fontRef idx="minor">
+            <a:schemeClr val="tx1"/>
+          </a:fontRef>
+        </p:style>
+      </p:cxnSp>
+      <p:sp>
+        <p:nvSpPr>
+          <p:cNvPr id="100" name="Flowchart: Process 99"/>
+          <p:cNvSpPr/>
+          <p:nvPr/>
+        </p:nvSpPr>
+        <p:spPr>
+          <a:xfrm>
+            <a:off x="8456163" y="3541734"/>
+            <a:ext cx="1241830" cy="385362"/>
+          </a:xfrm>
+          <a:prstGeom prst="flowChartProcess">
+            <a:avLst/>
+          </a:prstGeom>
+        </p:spPr>
+        <p:style>
+          <a:lnRef idx="2">
+            <a:schemeClr val="accent1">
+              <a:shade val="50000"/>
+            </a:schemeClr>
+          </a:lnRef>
+          <a:fillRef idx="1">
+            <a:schemeClr val="accent1"/>
+          </a:fillRef>
+          <a:effectRef idx="0">
+            <a:schemeClr val="accent1"/>
+          </a:effectRef>
+          <a:fontRef idx="minor">
+            <a:schemeClr val="lt1"/>
+          </a:fontRef>
+        </p:style>
+        <p:txBody>
+          <a:bodyPr rtlCol="0" anchor="ctr"/>
+          <a:lstStyle/>
+          <a:p>
+            <a:pPr algn="ctr"/>
+            <a:r>
+              <a:rPr lang="en-CA" sz="1400" dirty="0"/>
+              <a:t>Data staging </a:t>
+            </a:r>
+          </a:p>
+        </p:txBody>
+      </p:sp>
+      <p:cxnSp>
+        <p:nvCxnSpPr>
+          <p:cNvPr id="103" name="Straight Arrow Connector 102"/>
+          <p:cNvCxnSpPr>
+            <a:cxnSpLocks/>
+          </p:cNvCxnSpPr>
+          <p:nvPr/>
+        </p:nvCxnSpPr>
+        <p:spPr>
+          <a:xfrm flipH="1">
+            <a:off x="9073414" y="1905837"/>
+            <a:ext cx="17370" cy="1635897"/>
+          </a:xfrm>
+          <a:prstGeom prst="straightConnector1">
+            <a:avLst/>
+          </a:prstGeom>
+          <a:ln w="6350">
+            <a:solidFill>
+              <a:schemeClr val="tx1"/>
+            </a:solidFill>
+            <a:headEnd type="triangle" w="med" len="med"/>
+            <a:tailEnd type="triangle" w="med" len="med"/>
+          </a:ln>
+        </p:spPr>
+        <p:style>
+          <a:lnRef idx="1">
+            <a:schemeClr val="accent1"/>
+          </a:lnRef>
+          <a:fillRef idx="0">
+            <a:schemeClr val="accent1"/>
+          </a:fillRef>
+          <a:effectRef idx="0">
+            <a:schemeClr val="accent1"/>
+          </a:effectRef>
+          <a:fontRef idx="minor">
+            <a:schemeClr val="tx1"/>
+          </a:fontRef>
+        </p:style>
+      </p:cxnSp>
+      <p:sp>
+        <p:nvSpPr>
+          <p:cNvPr id="107" name="Flowchart: Manual Operation 106"/>
+          <p:cNvSpPr/>
+          <p:nvPr/>
+        </p:nvSpPr>
+        <p:spPr>
+          <a:xfrm>
+            <a:off x="5214209" y="1420070"/>
+            <a:ext cx="1535501" cy="484513"/>
+          </a:xfrm>
+          <a:prstGeom prst="flowChartManualOperation">
+            <a:avLst/>
+          </a:prstGeom>
+        </p:spPr>
+        <p:style>
+          <a:lnRef idx="2">
+            <a:schemeClr val="accent1">
+              <a:shade val="50000"/>
+            </a:schemeClr>
+          </a:lnRef>
+          <a:fillRef idx="1">
+            <a:schemeClr val="accent1"/>
+          </a:fillRef>
+          <a:effectRef idx="0">
+            <a:schemeClr val="accent1"/>
+          </a:effectRef>
+          <a:fontRef idx="minor">
+            <a:schemeClr val="lt1"/>
+          </a:fontRef>
+        </p:style>
+        <p:txBody>
+          <a:bodyPr rtlCol="0" anchor="ctr"/>
+          <a:lstStyle/>
+          <a:p>
+            <a:pPr algn="ctr"/>
+            <a:r>
+              <a:rPr lang="en-CA" sz="1400" dirty="0"/>
+              <a:t>User input</a:t>
+            </a:r>
+          </a:p>
+        </p:txBody>
+      </p:sp>
+      <p:sp>
+        <p:nvSpPr>
+          <p:cNvPr id="110" name="Rounded Rectangle 109"/>
+          <p:cNvSpPr/>
+          <p:nvPr/>
+        </p:nvSpPr>
+        <p:spPr>
+          <a:xfrm>
+            <a:off x="8329597" y="1496717"/>
+            <a:ext cx="1522374" cy="409120"/>
+          </a:xfrm>
+          <a:prstGeom prst="roundRect">
+            <a:avLst/>
+          </a:prstGeom>
+        </p:spPr>
+        <p:style>
+          <a:lnRef idx="2">
+            <a:schemeClr val="accent2">
+              <a:shade val="50000"/>
+            </a:schemeClr>
+          </a:lnRef>
+          <a:fillRef idx="1">
+            <a:schemeClr val="accent2"/>
+          </a:fillRef>
+          <a:effectRef idx="0">
+            <a:schemeClr val="accent2"/>
+          </a:effectRef>
+          <a:fontRef idx="minor">
+            <a:schemeClr val="lt1"/>
+          </a:fontRef>
+        </p:style>
+        <p:txBody>
+          <a:bodyPr rtlCol="0" anchor="ctr"/>
+          <a:lstStyle/>
+          <a:p>
+            <a:pPr algn="ctr"/>
+            <a:r>
+              <a:rPr lang="en-CA" sz="1600" dirty="0"/>
+              <a:t>Dashboard</a:t>
+            </a:r>
+            <a:r>
+              <a:rPr lang="en-CA" dirty="0"/>
+              <a:t> UI</a:t>
+            </a:r>
+          </a:p>
+        </p:txBody>
+      </p:sp>
+      <p:cxnSp>
+        <p:nvCxnSpPr>
+          <p:cNvPr id="112" name="Straight Arrow Connector 111"/>
+          <p:cNvCxnSpPr>
+            <a:cxnSpLocks/>
+            <a:endCxn id="110" idx="1"/>
+          </p:cNvCxnSpPr>
+          <p:nvPr/>
+        </p:nvCxnSpPr>
+        <p:spPr>
+          <a:xfrm>
+            <a:off x="6656597" y="1688763"/>
+            <a:ext cx="1673000" cy="12514"/>
           </a:xfrm>
           <a:prstGeom prst="straightConnector1">
             <a:avLst/>
@@ -3631,367 +3843,6 @@
       </p:cxnSp>
       <p:sp>
         <p:nvSpPr>
-          <p:cNvPr id="100" name="Flowchart: Process 99"/>
-          <p:cNvSpPr/>
-          <p:nvPr/>
-        </p:nvSpPr>
-        <p:spPr>
-          <a:xfrm>
-            <a:off x="8456163" y="3541734"/>
-            <a:ext cx="1241830" cy="385362"/>
-          </a:xfrm>
-          <a:prstGeom prst="flowChartProcess">
-            <a:avLst/>
-          </a:prstGeom>
-        </p:spPr>
-        <p:style>
-          <a:lnRef idx="2">
-            <a:schemeClr val="accent1">
-              <a:shade val="50000"/>
-            </a:schemeClr>
-          </a:lnRef>
-          <a:fillRef idx="1">
-            <a:schemeClr val="accent1"/>
-          </a:fillRef>
-          <a:effectRef idx="0">
-            <a:schemeClr val="accent1"/>
-          </a:effectRef>
-          <a:fontRef idx="minor">
-            <a:schemeClr val="lt1"/>
-          </a:fontRef>
-        </p:style>
-        <p:txBody>
-          <a:bodyPr rtlCol="0" anchor="ctr"/>
-          <a:lstStyle/>
-          <a:p>
-            <a:pPr algn="ctr"/>
-            <a:r>
-              <a:rPr lang="en-CA" sz="1400" dirty="0" smtClean="0"/>
-              <a:t>Input handler</a:t>
-            </a:r>
-            <a:endParaRPr lang="en-CA" sz="1400" dirty="0"/>
-          </a:p>
-        </p:txBody>
-      </p:sp>
-      <p:cxnSp>
-        <p:nvCxnSpPr>
-          <p:cNvPr id="102" name="Straight Arrow Connector 101"/>
-          <p:cNvCxnSpPr/>
-          <p:nvPr/>
-        </p:nvCxnSpPr>
-        <p:spPr>
-          <a:xfrm>
-            <a:off x="9212225" y="3927096"/>
-            <a:ext cx="0" cy="1106529"/>
-          </a:xfrm>
-          <a:prstGeom prst="straightConnector1">
-            <a:avLst/>
-          </a:prstGeom>
-          <a:ln w="6350">
-            <a:solidFill>
-              <a:schemeClr val="tx1"/>
-            </a:solidFill>
-            <a:headEnd type="triangle" w="med" len="med"/>
-            <a:tailEnd type="none" w="med" len="med"/>
-          </a:ln>
-        </p:spPr>
-        <p:style>
-          <a:lnRef idx="1">
-            <a:schemeClr val="accent1"/>
-          </a:lnRef>
-          <a:fillRef idx="0">
-            <a:schemeClr val="accent1"/>
-          </a:fillRef>
-          <a:effectRef idx="0">
-            <a:schemeClr val="accent1"/>
-          </a:effectRef>
-          <a:fontRef idx="minor">
-            <a:schemeClr val="tx1"/>
-          </a:fontRef>
-        </p:style>
-      </p:cxnSp>
-      <p:cxnSp>
-        <p:nvCxnSpPr>
-          <p:cNvPr id="103" name="Straight Arrow Connector 102"/>
-          <p:cNvCxnSpPr/>
-          <p:nvPr/>
-        </p:nvCxnSpPr>
-        <p:spPr>
-          <a:xfrm>
-            <a:off x="9073414" y="1700972"/>
-            <a:ext cx="2" cy="1840762"/>
-          </a:xfrm>
-          <a:prstGeom prst="straightConnector1">
-            <a:avLst/>
-          </a:prstGeom>
-          <a:ln w="6350">
-            <a:solidFill>
-              <a:schemeClr val="tx1"/>
-            </a:solidFill>
-            <a:headEnd type="none" w="med" len="med"/>
-            <a:tailEnd type="triangle" w="med" len="med"/>
-          </a:ln>
-        </p:spPr>
-        <p:style>
-          <a:lnRef idx="1">
-            <a:schemeClr val="accent1"/>
-          </a:lnRef>
-          <a:fillRef idx="0">
-            <a:schemeClr val="accent1"/>
-          </a:fillRef>
-          <a:effectRef idx="0">
-            <a:schemeClr val="accent1"/>
-          </a:effectRef>
-          <a:fontRef idx="minor">
-            <a:schemeClr val="tx1"/>
-          </a:fontRef>
-        </p:style>
-      </p:cxnSp>
-      <p:cxnSp>
-        <p:nvCxnSpPr>
-          <p:cNvPr id="104" name="Straight Arrow Connector 103"/>
-          <p:cNvCxnSpPr/>
-          <p:nvPr/>
-        </p:nvCxnSpPr>
-        <p:spPr>
-          <a:xfrm>
-            <a:off x="5723438" y="2006653"/>
-            <a:ext cx="2732725" cy="1735777"/>
-          </a:xfrm>
-          <a:prstGeom prst="straightConnector1">
-            <a:avLst/>
-          </a:prstGeom>
-          <a:ln w="6350">
-            <a:solidFill>
-              <a:schemeClr val="tx1"/>
-            </a:solidFill>
-            <a:headEnd type="triangle" w="med" len="med"/>
-            <a:tailEnd type="none" w="med" len="med"/>
-          </a:ln>
-        </p:spPr>
-        <p:style>
-          <a:lnRef idx="1">
-            <a:schemeClr val="accent1"/>
-          </a:lnRef>
-          <a:fillRef idx="0">
-            <a:schemeClr val="accent1"/>
-          </a:fillRef>
-          <a:effectRef idx="0">
-            <a:schemeClr val="accent1"/>
-          </a:effectRef>
-          <a:fontRef idx="minor">
-            <a:schemeClr val="tx1"/>
-          </a:fontRef>
-        </p:style>
-      </p:cxnSp>
-      <p:sp>
-        <p:nvSpPr>
-          <p:cNvPr id="107" name="Flowchart: Manual Operation 106"/>
-          <p:cNvSpPr/>
-          <p:nvPr/>
-        </p:nvSpPr>
-        <p:spPr>
-          <a:xfrm>
-            <a:off x="8305664" y="1216459"/>
-            <a:ext cx="1535501" cy="484513"/>
-          </a:xfrm>
-          <a:prstGeom prst="flowChartManualOperation">
-            <a:avLst/>
-          </a:prstGeom>
-        </p:spPr>
-        <p:style>
-          <a:lnRef idx="2">
-            <a:schemeClr val="accent1">
-              <a:shade val="50000"/>
-            </a:schemeClr>
-          </a:lnRef>
-          <a:fillRef idx="1">
-            <a:schemeClr val="accent1"/>
-          </a:fillRef>
-          <a:effectRef idx="0">
-            <a:schemeClr val="accent1"/>
-          </a:effectRef>
-          <a:fontRef idx="minor">
-            <a:schemeClr val="lt1"/>
-          </a:fontRef>
-        </p:style>
-        <p:txBody>
-          <a:bodyPr rtlCol="0" anchor="ctr"/>
-          <a:lstStyle/>
-          <a:p>
-            <a:pPr algn="ctr"/>
-            <a:r>
-              <a:rPr lang="en-CA" sz="1400" dirty="0" smtClean="0"/>
-              <a:t>User’s selections</a:t>
-            </a:r>
-            <a:endParaRPr lang="en-CA" sz="1400" dirty="0"/>
-          </a:p>
-        </p:txBody>
-      </p:sp>
-      <p:sp>
-        <p:nvSpPr>
-          <p:cNvPr id="110" name="Rounded Rectangle 109"/>
-          <p:cNvSpPr/>
-          <p:nvPr/>
-        </p:nvSpPr>
-        <p:spPr>
-          <a:xfrm>
-            <a:off x="4201064" y="1245912"/>
-            <a:ext cx="1522374" cy="409120"/>
-          </a:xfrm>
-          <a:prstGeom prst="roundRect">
-            <a:avLst/>
-          </a:prstGeom>
-        </p:spPr>
-        <p:style>
-          <a:lnRef idx="2">
-            <a:schemeClr val="accent2">
-              <a:shade val="50000"/>
-            </a:schemeClr>
-          </a:lnRef>
-          <a:fillRef idx="1">
-            <a:schemeClr val="accent2"/>
-          </a:fillRef>
-          <a:effectRef idx="0">
-            <a:schemeClr val="accent2"/>
-          </a:effectRef>
-          <a:fontRef idx="minor">
-            <a:schemeClr val="lt1"/>
-          </a:fontRef>
-        </p:style>
-        <p:txBody>
-          <a:bodyPr rtlCol="0" anchor="ctr"/>
-          <a:lstStyle/>
-          <a:p>
-            <a:pPr algn="ctr"/>
-            <a:r>
-              <a:rPr lang="en-CA" dirty="0" smtClean="0"/>
-              <a:t>Dashboard UI</a:t>
-            </a:r>
-            <a:endParaRPr lang="en-CA" dirty="0"/>
-          </a:p>
-        </p:txBody>
-      </p:sp>
-      <p:cxnSp>
-        <p:nvCxnSpPr>
-          <p:cNvPr id="112" name="Straight Arrow Connector 111"/>
-          <p:cNvCxnSpPr/>
-          <p:nvPr/>
-        </p:nvCxnSpPr>
-        <p:spPr>
-          <a:xfrm>
-            <a:off x="5723438" y="1346623"/>
-            <a:ext cx="2582226" cy="0"/>
-          </a:xfrm>
-          <a:prstGeom prst="straightConnector1">
-            <a:avLst/>
-          </a:prstGeom>
-          <a:ln w="6350">
-            <a:solidFill>
-              <a:schemeClr val="tx1"/>
-            </a:solidFill>
-            <a:headEnd type="none" w="med" len="med"/>
-            <a:tailEnd type="triangle" w="med" len="med"/>
-          </a:ln>
-        </p:spPr>
-        <p:style>
-          <a:lnRef idx="1">
-            <a:schemeClr val="accent1"/>
-          </a:lnRef>
-          <a:fillRef idx="0">
-            <a:schemeClr val="accent1"/>
-          </a:fillRef>
-          <a:effectRef idx="0">
-            <a:schemeClr val="accent1"/>
-          </a:effectRef>
-          <a:fontRef idx="minor">
-            <a:schemeClr val="tx1"/>
-          </a:fontRef>
-        </p:style>
-      </p:cxnSp>
-      <p:cxnSp>
-        <p:nvCxnSpPr>
-          <p:cNvPr id="116" name="Straight Arrow Connector 115"/>
-          <p:cNvCxnSpPr/>
-          <p:nvPr/>
-        </p:nvCxnSpPr>
-        <p:spPr>
-          <a:xfrm>
-            <a:off x="5723438" y="1543270"/>
-            <a:ext cx="2587802" cy="0"/>
-          </a:xfrm>
-          <a:prstGeom prst="straightConnector1">
-            <a:avLst/>
-          </a:prstGeom>
-          <a:ln w="6350">
-            <a:solidFill>
-              <a:schemeClr val="tx1"/>
-            </a:solidFill>
-            <a:headEnd type="triangle" w="med" len="med"/>
-            <a:tailEnd type="none" w="med" len="med"/>
-          </a:ln>
-        </p:spPr>
-        <p:style>
-          <a:lnRef idx="1">
-            <a:schemeClr val="accent1"/>
-          </a:lnRef>
-          <a:fillRef idx="0">
-            <a:schemeClr val="accent1"/>
-          </a:fillRef>
-          <a:effectRef idx="0">
-            <a:schemeClr val="accent1"/>
-          </a:effectRef>
-          <a:fontRef idx="minor">
-            <a:schemeClr val="tx1"/>
-          </a:fontRef>
-        </p:style>
-      </p:cxnSp>
-      <p:sp>
-        <p:nvSpPr>
-          <p:cNvPr id="117" name="Rounded Rectangle 116"/>
-          <p:cNvSpPr/>
-          <p:nvPr/>
-        </p:nvSpPr>
-        <p:spPr>
-          <a:xfrm>
-            <a:off x="4201064" y="1792572"/>
-            <a:ext cx="1522374" cy="409120"/>
-          </a:xfrm>
-          <a:prstGeom prst="roundRect">
-            <a:avLst/>
-          </a:prstGeom>
-        </p:spPr>
-        <p:style>
-          <a:lnRef idx="2">
-            <a:schemeClr val="accent2">
-              <a:shade val="50000"/>
-            </a:schemeClr>
-          </a:lnRef>
-          <a:fillRef idx="1">
-            <a:schemeClr val="accent2"/>
-          </a:fillRef>
-          <a:effectRef idx="0">
-            <a:schemeClr val="accent2"/>
-          </a:effectRef>
-          <a:fontRef idx="minor">
-            <a:schemeClr val="lt1"/>
-          </a:fontRef>
-        </p:style>
-        <p:txBody>
-          <a:bodyPr rtlCol="0" anchor="ctr"/>
-          <a:lstStyle/>
-          <a:p>
-            <a:pPr algn="ctr"/>
-            <a:r>
-              <a:rPr lang="en-CA" dirty="0" smtClean="0"/>
-              <a:t>Data layer</a:t>
-            </a:r>
-            <a:endParaRPr lang="en-CA" dirty="0"/>
-          </a:p>
-        </p:txBody>
-      </p:sp>
-      <p:sp>
-        <p:nvSpPr>
           <p:cNvPr id="123" name="Parallelogram 122"/>
           <p:cNvSpPr/>
           <p:nvPr/>
@@ -4027,7 +3878,7 @@
           <a:p>
             <a:pPr algn="ctr"/>
             <a:r>
-              <a:rPr lang="en-CA" sz="1600" dirty="0" smtClean="0"/>
+              <a:rPr lang="en-CA" sz="1600" dirty="0"/>
               <a:t>Data</a:t>
             </a:r>
             <a:endParaRPr lang="en-CA" sz="4400" dirty="0"/>
@@ -4071,8 +3922,8 @@
           <a:p>
             <a:pPr algn="ctr"/>
             <a:r>
-              <a:rPr lang="en-CA" sz="1600" dirty="0" smtClean="0"/>
-              <a:t>Data</a:t>
+              <a:rPr lang="en-CA" sz="1600" dirty="0"/>
+              <a:t>JSON</a:t>
             </a:r>
             <a:endParaRPr lang="en-CA" sz="4400" dirty="0"/>
           </a:p>
@@ -4088,13 +3939,6 @@
   <p:clrMapOvr>
     <a:masterClrMapping/>
   </p:clrMapOvr>
-  <p:timing>
-    <p:tnLst>
-      <p:par>
-        <p:cTn id="1" dur="indefinite" restart="never" nodeType="tmRoot"/>
-      </p:par>
-    </p:tnLst>
-  </p:timing>
 </p:sld>
 </file>
 

--- a/Architecture.pptx
+++ b/Architecture.pptx
@@ -243,7 +243,7 @@
           <a:p>
             <a:fld id="{326DC753-2E00-4775-BA21-A0BCAD350DAD}" type="datetimeFigureOut">
               <a:rPr lang="en-CA" smtClean="0"/>
-              <a:t>2019-06-27</a:t>
+              <a:t>2019-07-08</a:t>
             </a:fld>
             <a:endParaRPr lang="en-CA"/>
           </a:p>
@@ -413,7 +413,7 @@
           <a:p>
             <a:fld id="{326DC753-2E00-4775-BA21-A0BCAD350DAD}" type="datetimeFigureOut">
               <a:rPr lang="en-CA" smtClean="0"/>
-              <a:t>2019-06-27</a:t>
+              <a:t>2019-07-08</a:t>
             </a:fld>
             <a:endParaRPr lang="en-CA"/>
           </a:p>
@@ -593,7 +593,7 @@
           <a:p>
             <a:fld id="{326DC753-2E00-4775-BA21-A0BCAD350DAD}" type="datetimeFigureOut">
               <a:rPr lang="en-CA" smtClean="0"/>
-              <a:t>2019-06-27</a:t>
+              <a:t>2019-07-08</a:t>
             </a:fld>
             <a:endParaRPr lang="en-CA"/>
           </a:p>
@@ -763,7 +763,7 @@
           <a:p>
             <a:fld id="{326DC753-2E00-4775-BA21-A0BCAD350DAD}" type="datetimeFigureOut">
               <a:rPr lang="en-CA" smtClean="0"/>
-              <a:t>2019-06-27</a:t>
+              <a:t>2019-07-08</a:t>
             </a:fld>
             <a:endParaRPr lang="en-CA"/>
           </a:p>
@@ -1009,7 +1009,7 @@
           <a:p>
             <a:fld id="{326DC753-2E00-4775-BA21-A0BCAD350DAD}" type="datetimeFigureOut">
               <a:rPr lang="en-CA" smtClean="0"/>
-              <a:t>2019-06-27</a:t>
+              <a:t>2019-07-08</a:t>
             </a:fld>
             <a:endParaRPr lang="en-CA"/>
           </a:p>
@@ -1241,7 +1241,7 @@
           <a:p>
             <a:fld id="{326DC753-2E00-4775-BA21-A0BCAD350DAD}" type="datetimeFigureOut">
               <a:rPr lang="en-CA" smtClean="0"/>
-              <a:t>2019-06-27</a:t>
+              <a:t>2019-07-08</a:t>
             </a:fld>
             <a:endParaRPr lang="en-CA"/>
           </a:p>
@@ -1608,7 +1608,7 @@
           <a:p>
             <a:fld id="{326DC753-2E00-4775-BA21-A0BCAD350DAD}" type="datetimeFigureOut">
               <a:rPr lang="en-CA" smtClean="0"/>
-              <a:t>2019-06-27</a:t>
+              <a:t>2019-07-08</a:t>
             </a:fld>
             <a:endParaRPr lang="en-CA"/>
           </a:p>
@@ -1726,7 +1726,7 @@
           <a:p>
             <a:fld id="{326DC753-2E00-4775-BA21-A0BCAD350DAD}" type="datetimeFigureOut">
               <a:rPr lang="en-CA" smtClean="0"/>
-              <a:t>2019-06-27</a:t>
+              <a:t>2019-07-08</a:t>
             </a:fld>
             <a:endParaRPr lang="en-CA"/>
           </a:p>
@@ -1821,7 +1821,7 @@
           <a:p>
             <a:fld id="{326DC753-2E00-4775-BA21-A0BCAD350DAD}" type="datetimeFigureOut">
               <a:rPr lang="en-CA" smtClean="0"/>
-              <a:t>2019-06-27</a:t>
+              <a:t>2019-07-08</a:t>
             </a:fld>
             <a:endParaRPr lang="en-CA"/>
           </a:p>
@@ -2098,7 +2098,7 @@
           <a:p>
             <a:fld id="{326DC753-2E00-4775-BA21-A0BCAD350DAD}" type="datetimeFigureOut">
               <a:rPr lang="en-CA" smtClean="0"/>
-              <a:t>2019-06-27</a:t>
+              <a:t>2019-07-08</a:t>
             </a:fld>
             <a:endParaRPr lang="en-CA"/>
           </a:p>
@@ -2351,7 +2351,7 @@
           <a:p>
             <a:fld id="{326DC753-2E00-4775-BA21-A0BCAD350DAD}" type="datetimeFigureOut">
               <a:rPr lang="en-CA" smtClean="0"/>
-              <a:t>2019-06-27</a:t>
+              <a:t>2019-07-08</a:t>
             </a:fld>
             <a:endParaRPr lang="en-CA"/>
           </a:p>
@@ -2564,7 +2564,7 @@
           <a:p>
             <a:fld id="{326DC753-2E00-4775-BA21-A0BCAD350DAD}" type="datetimeFigureOut">
               <a:rPr lang="en-CA" smtClean="0"/>
-              <a:t>2019-06-27</a:t>
+              <a:t>2019-07-08</a:t>
             </a:fld>
             <a:endParaRPr lang="en-CA"/>
           </a:p>
@@ -2969,29 +2969,242 @@
           <a:chExt cx="0" cy="0"/>
         </a:xfrm>
       </p:grpSpPr>
-      <p:sp>
-        <p:nvSpPr>
-          <p:cNvPr id="87" name="Rectangle 86"/>
-          <p:cNvSpPr/>
+      <p:grpSp>
+        <p:nvGrpSpPr>
+          <p:cNvPr id="15" name="Group 14"/>
+          <p:cNvGrpSpPr/>
+          <p:nvPr/>
+        </p:nvGrpSpPr>
+        <p:grpSpPr>
+          <a:xfrm>
+            <a:off x="1526873" y="2796285"/>
+            <a:ext cx="10472790" cy="3925775"/>
+            <a:chOff x="1526873" y="2796285"/>
+            <a:chExt cx="10472790" cy="3925775"/>
+          </a:xfrm>
+        </p:grpSpPr>
+        <p:sp>
+          <p:nvSpPr>
+            <p:cNvPr id="87" name="Rectangle 86"/>
+            <p:cNvSpPr/>
+            <p:nvPr/>
+          </p:nvSpPr>
+          <p:spPr>
+            <a:xfrm>
+              <a:off x="1526873" y="4737985"/>
+              <a:ext cx="10472789" cy="1984075"/>
+            </a:xfrm>
+            <a:prstGeom prst="rect">
+              <a:avLst/>
+            </a:prstGeom>
+            <a:solidFill>
+              <a:schemeClr val="tx2">
+                <a:lumMod val="20000"/>
+                <a:lumOff val="80000"/>
+              </a:schemeClr>
+            </a:solidFill>
+            <a:ln>
+              <a:noFill/>
+            </a:ln>
+          </p:spPr>
+          <p:style>
+            <a:lnRef idx="2">
+              <a:schemeClr val="accent1">
+                <a:shade val="50000"/>
+              </a:schemeClr>
+            </a:lnRef>
+            <a:fillRef idx="1">
+              <a:schemeClr val="accent1"/>
+            </a:fillRef>
+            <a:effectRef idx="0">
+              <a:schemeClr val="accent1"/>
+            </a:effectRef>
+            <a:fontRef idx="minor">
+              <a:schemeClr val="lt1"/>
+            </a:fontRef>
+          </p:style>
+          <p:txBody>
+            <a:bodyPr rtlCol="0" anchor="ctr"/>
+            <a:lstStyle/>
+            <a:p>
+              <a:pPr algn="ctr"/>
+              <a:endParaRPr lang="en-CA"/>
+            </a:p>
+          </p:txBody>
+        </p:sp>
+        <p:sp>
+          <p:nvSpPr>
+            <p:cNvPr id="91" name="Rectangle 90"/>
+            <p:cNvSpPr/>
+            <p:nvPr/>
+          </p:nvSpPr>
+          <p:spPr>
+            <a:xfrm>
+              <a:off x="1526874" y="2796285"/>
+              <a:ext cx="10472789" cy="1939615"/>
+            </a:xfrm>
+            <a:prstGeom prst="rect">
+              <a:avLst/>
+            </a:prstGeom>
+            <a:solidFill>
+              <a:schemeClr val="bg1">
+                <a:lumMod val="95000"/>
+              </a:schemeClr>
+            </a:solidFill>
+            <a:ln>
+              <a:noFill/>
+            </a:ln>
+          </p:spPr>
+          <p:style>
+            <a:lnRef idx="2">
+              <a:schemeClr val="accent1">
+                <a:shade val="50000"/>
+              </a:schemeClr>
+            </a:lnRef>
+            <a:fillRef idx="1">
+              <a:schemeClr val="accent1"/>
+            </a:fillRef>
+            <a:effectRef idx="0">
+              <a:schemeClr val="accent1"/>
+            </a:effectRef>
+            <a:fontRef idx="minor">
+              <a:schemeClr val="lt1"/>
+            </a:fontRef>
+          </p:style>
+          <p:txBody>
+            <a:bodyPr rtlCol="0" anchor="ctr"/>
+            <a:lstStyle/>
+            <a:p>
+              <a:pPr algn="ctr"/>
+              <a:endParaRPr lang="en-CA"/>
+            </a:p>
+          </p:txBody>
+        </p:sp>
+      </p:grpSp>
+      <p:sp>
+        <p:nvSpPr>
+          <p:cNvPr id="4" name="TextBox 3"/>
+          <p:cNvSpPr txBox="1"/>
           <p:nvPr/>
         </p:nvSpPr>
         <p:spPr>
           <a:xfrm>
-            <a:off x="1526875" y="4735902"/>
-            <a:ext cx="10472789" cy="1984075"/>
+            <a:off x="3651997" y="170481"/>
+            <a:ext cx="4420826" cy="369332"/>
           </a:xfrm>
           <a:prstGeom prst="rect">
             <a:avLst/>
           </a:prstGeom>
-          <a:solidFill>
-            <a:schemeClr val="tx2">
-              <a:lumMod val="20000"/>
-              <a:lumOff val="80000"/>
+          <a:noFill/>
+        </p:spPr>
+        <p:txBody>
+          <a:bodyPr wrap="none" rtlCol="0">
+            <a:spAutoFit/>
+          </a:bodyPr>
+          <a:lstStyle/>
+          <a:p>
+            <a:r>
+              <a:rPr lang="en-CA" b="1" dirty="0">
+                <a:latin typeface="Arial" panose="020B0604020202020204" pitchFamily="34" charset="0"/>
+                <a:cs typeface="Arial" panose="020B0604020202020204" pitchFamily="34" charset="0"/>
+              </a:rPr>
+              <a:t>News Analytics Platform Process Flow</a:t>
+            </a:r>
+          </a:p>
+        </p:txBody>
+      </p:sp>
+      <p:sp>
+        <p:nvSpPr>
+          <p:cNvPr id="56" name="TextBox 55"/>
+          <p:cNvSpPr txBox="1"/>
+          <p:nvPr/>
+        </p:nvSpPr>
+        <p:spPr>
+          <a:xfrm>
+            <a:off x="345003" y="5505576"/>
+            <a:ext cx="1067793" cy="584775"/>
+          </a:xfrm>
+          <a:prstGeom prst="rect">
+            <a:avLst/>
+          </a:prstGeom>
+          <a:noFill/>
+        </p:spPr>
+        <p:txBody>
+          <a:bodyPr wrap="none" rtlCol="0">
+            <a:spAutoFit/>
+          </a:bodyPr>
+          <a:lstStyle/>
+          <a:p>
+            <a:r>
+              <a:rPr lang="en-CA" sz="1600" dirty="0"/>
+              <a:t>Data </a:t>
+            </a:r>
+          </a:p>
+          <a:p>
+            <a:r>
+              <a:rPr lang="en-CA" sz="1600" dirty="0"/>
+              <a:t>Processing</a:t>
+            </a:r>
+          </a:p>
+        </p:txBody>
+      </p:sp>
+      <p:sp>
+        <p:nvSpPr>
+          <p:cNvPr id="5" name="Flowchart: Magnetic Disk 4"/>
+          <p:cNvSpPr/>
+          <p:nvPr/>
+        </p:nvSpPr>
+        <p:spPr>
+          <a:xfrm>
+            <a:off x="8643616" y="5033627"/>
+            <a:ext cx="866923" cy="1171897"/>
+          </a:xfrm>
+          <a:prstGeom prst="flowChartMagneticDisk">
+            <a:avLst/>
+          </a:prstGeom>
+        </p:spPr>
+        <p:style>
+          <a:lnRef idx="2">
+            <a:schemeClr val="accent4">
+              <a:shade val="50000"/>
             </a:schemeClr>
-          </a:solidFill>
-          <a:ln>
-            <a:noFill/>
-          </a:ln>
+          </a:lnRef>
+          <a:fillRef idx="1">
+            <a:schemeClr val="accent4"/>
+          </a:fillRef>
+          <a:effectRef idx="0">
+            <a:schemeClr val="accent4"/>
+          </a:effectRef>
+          <a:fontRef idx="minor">
+            <a:schemeClr val="lt1"/>
+          </a:fontRef>
+        </p:style>
+        <p:txBody>
+          <a:bodyPr rtlCol="0" anchor="ctr"/>
+          <a:lstStyle/>
+          <a:p>
+            <a:pPr algn="ctr"/>
+            <a:r>
+              <a:rPr lang="en-CA" sz="1200" dirty="0"/>
+              <a:t>MongoDB</a:t>
+            </a:r>
+          </a:p>
+        </p:txBody>
+      </p:sp>
+      <p:sp>
+        <p:nvSpPr>
+          <p:cNvPr id="17" name="Flowchart: Process 16"/>
+          <p:cNvSpPr/>
+          <p:nvPr/>
+        </p:nvSpPr>
+        <p:spPr>
+          <a:xfrm>
+            <a:off x="3306951" y="5527515"/>
+            <a:ext cx="1348828" cy="472625"/>
+          </a:xfrm>
+          <a:prstGeom prst="flowChartProcess">
+            <a:avLst/>
+          </a:prstGeom>
         </p:spPr>
         <p:style>
           <a:lnRef idx="2">
@@ -3014,478 +3227,60 @@
           <a:lstStyle/>
           <a:p>
             <a:pPr algn="ctr"/>
-            <a:endParaRPr lang="en-CA"/>
-          </a:p>
-        </p:txBody>
-      </p:sp>
-      <p:sp>
-        <p:nvSpPr>
-          <p:cNvPr id="4" name="TextBox 3"/>
-          <p:cNvSpPr txBox="1"/>
+            <a:r>
+              <a:rPr lang="en-US" sz="1400" dirty="0" smtClean="0"/>
+              <a:t>Full </a:t>
+            </a:r>
+            <a:r>
+              <a:rPr lang="en-US" sz="1400" dirty="0" err="1" smtClean="0"/>
+              <a:t>text+meta</a:t>
+            </a:r>
+            <a:r>
+              <a:rPr lang="en-US" sz="1400" dirty="0" smtClean="0"/>
+              <a:t> from RSS feeds</a:t>
+            </a:r>
+          </a:p>
+        </p:txBody>
+      </p:sp>
+      <p:cxnSp>
+        <p:nvCxnSpPr>
+          <p:cNvPr id="19" name="Straight Arrow Connector 18"/>
+          <p:cNvCxnSpPr>
+            <a:stCxn id="17" idx="3"/>
+          </p:cNvCxnSpPr>
           <p:nvPr/>
-        </p:nvSpPr>
+        </p:nvCxnSpPr>
         <p:spPr>
-          <a:xfrm>
-            <a:off x="3651997" y="170481"/>
-            <a:ext cx="4420826" cy="369332"/>
+          <a:xfrm flipV="1">
+            <a:off x="4655779" y="5762347"/>
+            <a:ext cx="567837" cy="1482"/>
           </a:xfrm>
-          <a:prstGeom prst="rect">
+          <a:prstGeom prst="straightConnector1">
             <a:avLst/>
           </a:prstGeom>
-          <a:noFill/>
-        </p:spPr>
-        <p:txBody>
-          <a:bodyPr wrap="none" rtlCol="0">
-            <a:spAutoFit/>
-          </a:bodyPr>
-          <a:lstStyle/>
-          <a:p>
-            <a:r>
-              <a:rPr lang="en-CA" b="1" dirty="0">
-                <a:latin typeface="Arial" panose="020B0604020202020204" pitchFamily="34" charset="0"/>
-                <a:cs typeface="Arial" panose="020B0604020202020204" pitchFamily="34" charset="0"/>
-              </a:rPr>
-              <a:t>News Analytics Platform Process Flow</a:t>
-            </a:r>
-          </a:p>
-        </p:txBody>
-      </p:sp>
-      <p:sp>
-        <p:nvSpPr>
-          <p:cNvPr id="56" name="TextBox 55"/>
-          <p:cNvSpPr txBox="1"/>
-          <p:nvPr/>
-        </p:nvSpPr>
-        <p:spPr>
-          <a:xfrm>
-            <a:off x="345003" y="5505576"/>
-            <a:ext cx="1067793" cy="584775"/>
-          </a:xfrm>
-          <a:prstGeom prst="rect">
-            <a:avLst/>
-          </a:prstGeom>
-          <a:noFill/>
-        </p:spPr>
-        <p:txBody>
-          <a:bodyPr wrap="none" rtlCol="0">
-            <a:spAutoFit/>
-          </a:bodyPr>
-          <a:lstStyle/>
-          <a:p>
-            <a:r>
-              <a:rPr lang="en-CA" sz="1600" dirty="0"/>
-              <a:t>Data </a:t>
-            </a:r>
-          </a:p>
-          <a:p>
-            <a:r>
-              <a:rPr lang="en-CA" sz="1600" dirty="0"/>
-              <a:t>Processing</a:t>
-            </a:r>
-          </a:p>
-        </p:txBody>
-      </p:sp>
-      <p:grpSp>
-        <p:nvGrpSpPr>
-          <p:cNvPr id="90" name="Group 89"/>
-          <p:cNvGrpSpPr/>
-          <p:nvPr/>
-        </p:nvGrpSpPr>
-        <p:grpSpPr>
-          <a:xfrm>
-            <a:off x="4201064" y="5033625"/>
-            <a:ext cx="5309476" cy="1567515"/>
-            <a:chOff x="3145770" y="4905277"/>
-            <a:chExt cx="5890317" cy="1738996"/>
-          </a:xfrm>
-        </p:grpSpPr>
-        <p:grpSp>
-          <p:nvGrpSpPr>
-            <p:cNvPr id="57" name="Group 56"/>
-            <p:cNvGrpSpPr/>
-            <p:nvPr/>
-          </p:nvGrpSpPr>
-          <p:grpSpPr>
-            <a:xfrm>
-              <a:off x="3145770" y="4905277"/>
-              <a:ext cx="5890317" cy="1738996"/>
-              <a:chOff x="-531651" y="4438891"/>
-              <a:chExt cx="6395585" cy="1888165"/>
-            </a:xfrm>
-          </p:grpSpPr>
-          <p:cxnSp>
-            <p:nvCxnSpPr>
-              <p:cNvPr id="39" name="Straight Arrow Connector 38"/>
-              <p:cNvCxnSpPr/>
-              <p:nvPr/>
-            </p:nvCxnSpPr>
-            <p:spPr>
-              <a:xfrm>
-                <a:off x="2337764" y="5376799"/>
-                <a:ext cx="0" cy="473711"/>
-              </a:xfrm>
-              <a:prstGeom prst="straightConnector1">
-                <a:avLst/>
-              </a:prstGeom>
-              <a:ln w="6350">
-                <a:solidFill>
-                  <a:schemeClr val="tx1"/>
-                </a:solidFill>
-                <a:tailEnd type="stealth"/>
-              </a:ln>
-            </p:spPr>
-            <p:style>
-              <a:lnRef idx="1">
-                <a:schemeClr val="accent1"/>
-              </a:lnRef>
-              <a:fillRef idx="0">
-                <a:schemeClr val="accent1"/>
-              </a:fillRef>
-              <a:effectRef idx="0">
-                <a:schemeClr val="accent1"/>
-              </a:effectRef>
-              <a:fontRef idx="minor">
-                <a:schemeClr val="tx1"/>
-              </a:fontRef>
-            </p:style>
-          </p:cxnSp>
-          <p:cxnSp>
-            <p:nvCxnSpPr>
-              <p:cNvPr id="54" name="Straight Arrow Connector 53"/>
-              <p:cNvCxnSpPr/>
-              <p:nvPr/>
-            </p:nvCxnSpPr>
-            <p:spPr>
-              <a:xfrm flipV="1">
-                <a:off x="3118290" y="5144701"/>
-                <a:ext cx="1701383" cy="1"/>
-              </a:xfrm>
-              <a:prstGeom prst="straightConnector1">
-                <a:avLst/>
-              </a:prstGeom>
-              <a:ln w="6350">
-                <a:solidFill>
-                  <a:schemeClr val="tx1"/>
-                </a:solidFill>
-                <a:headEnd type="none" w="med" len="med"/>
-                <a:tailEnd type="triangle" w="med" len="med"/>
-              </a:ln>
-            </p:spPr>
-            <p:style>
-              <a:lnRef idx="1">
-                <a:schemeClr val="accent1"/>
-              </a:lnRef>
-              <a:fillRef idx="0">
-                <a:schemeClr val="accent1"/>
-              </a:fillRef>
-              <a:effectRef idx="0">
-                <a:schemeClr val="accent1"/>
-              </a:effectRef>
-              <a:fontRef idx="minor">
-                <a:schemeClr val="tx1"/>
-              </a:fontRef>
-            </p:style>
-          </p:cxnSp>
-          <p:sp>
-            <p:nvSpPr>
-              <p:cNvPr id="5" name="Flowchart: Magnetic Disk 4"/>
-              <p:cNvSpPr/>
-              <p:nvPr/>
-            </p:nvSpPr>
-            <p:spPr>
-              <a:xfrm>
-                <a:off x="4819673" y="4438891"/>
-                <a:ext cx="1044261" cy="1411619"/>
-              </a:xfrm>
-              <a:prstGeom prst="flowChartMagneticDisk">
-                <a:avLst/>
-              </a:prstGeom>
-            </p:spPr>
-            <p:style>
-              <a:lnRef idx="2">
-                <a:schemeClr val="accent4">
-                  <a:shade val="50000"/>
-                </a:schemeClr>
-              </a:lnRef>
-              <a:fillRef idx="1">
-                <a:schemeClr val="accent4"/>
-              </a:fillRef>
-              <a:effectRef idx="0">
-                <a:schemeClr val="accent4"/>
-              </a:effectRef>
-              <a:fontRef idx="minor">
-                <a:schemeClr val="lt1"/>
-              </a:fontRef>
-            </p:style>
-            <p:txBody>
-              <a:bodyPr rtlCol="0" anchor="ctr"/>
-              <a:lstStyle/>
-              <a:p>
-                <a:pPr algn="ctr"/>
-                <a:r>
-                  <a:rPr lang="en-CA" sz="1200" dirty="0"/>
-                  <a:t>MongoDB</a:t>
-                </a:r>
-              </a:p>
-            </p:txBody>
-          </p:sp>
-          <p:sp>
-            <p:nvSpPr>
-              <p:cNvPr id="17" name="Flowchart: Process 16"/>
-              <p:cNvSpPr/>
-              <p:nvPr/>
-            </p:nvSpPr>
-            <p:spPr>
-              <a:xfrm>
-                <a:off x="-531651" y="4912606"/>
-                <a:ext cx="1495859" cy="464192"/>
-              </a:xfrm>
-              <a:prstGeom prst="flowChartProcess">
-                <a:avLst/>
-              </a:prstGeom>
-            </p:spPr>
-            <p:style>
-              <a:lnRef idx="2">
-                <a:schemeClr val="accent1">
-                  <a:shade val="50000"/>
-                </a:schemeClr>
-              </a:lnRef>
-              <a:fillRef idx="1">
-                <a:schemeClr val="accent1"/>
-              </a:fillRef>
-              <a:effectRef idx="0">
-                <a:schemeClr val="accent1"/>
-              </a:effectRef>
-              <a:fontRef idx="minor">
-                <a:schemeClr val="lt1"/>
-              </a:fontRef>
-            </p:style>
-            <p:txBody>
-              <a:bodyPr rtlCol="0" anchor="ctr"/>
-              <a:lstStyle/>
-              <a:p>
-                <a:pPr algn="ctr"/>
-                <a:r>
-                  <a:rPr lang="en-CA" sz="1400" dirty="0"/>
-                  <a:t>Fetch articles</a:t>
-                </a:r>
-              </a:p>
-            </p:txBody>
-          </p:sp>
-          <p:cxnSp>
-            <p:nvCxnSpPr>
-              <p:cNvPr id="19" name="Straight Arrow Connector 18"/>
-              <p:cNvCxnSpPr>
-                <a:stCxn id="17" idx="3"/>
-              </p:cNvCxnSpPr>
-              <p:nvPr/>
-            </p:nvCxnSpPr>
-            <p:spPr>
-              <a:xfrm>
-                <a:off x="964208" y="5144701"/>
-                <a:ext cx="1013173" cy="0"/>
-              </a:xfrm>
-              <a:prstGeom prst="straightConnector1">
-                <a:avLst/>
-              </a:prstGeom>
-              <a:ln w="6350">
-                <a:solidFill>
-                  <a:schemeClr val="tx1"/>
-                </a:solidFill>
-                <a:headEnd type="none" w="med" len="med"/>
-                <a:tailEnd type="triangle" w="med" len="med"/>
-              </a:ln>
-            </p:spPr>
-            <p:style>
-              <a:lnRef idx="1">
-                <a:schemeClr val="accent1"/>
-              </a:lnRef>
-              <a:fillRef idx="0">
-                <a:schemeClr val="accent1"/>
-              </a:fillRef>
-              <a:effectRef idx="0">
-                <a:schemeClr val="accent1"/>
-              </a:effectRef>
-              <a:fontRef idx="minor">
-                <a:schemeClr val="tx1"/>
-              </a:fontRef>
-            </p:style>
-          </p:cxnSp>
-          <p:sp>
-            <p:nvSpPr>
-              <p:cNvPr id="34" name="Flowchart: Process 33"/>
-              <p:cNvSpPr/>
-              <p:nvPr/>
-            </p:nvSpPr>
-            <p:spPr>
-              <a:xfrm>
-                <a:off x="2031889" y="5850510"/>
-                <a:ext cx="1129004" cy="476546"/>
-              </a:xfrm>
-              <a:prstGeom prst="flowChartProcess">
-                <a:avLst/>
-              </a:prstGeom>
-            </p:spPr>
-            <p:style>
-              <a:lnRef idx="2">
-                <a:schemeClr val="accent6">
-                  <a:shade val="50000"/>
-                </a:schemeClr>
-              </a:lnRef>
-              <a:fillRef idx="1">
-                <a:schemeClr val="accent6"/>
-              </a:fillRef>
-              <a:effectRef idx="0">
-                <a:schemeClr val="accent6"/>
-              </a:effectRef>
-              <a:fontRef idx="minor">
-                <a:schemeClr val="lt1"/>
-              </a:fontRef>
-            </p:style>
-            <p:txBody>
-              <a:bodyPr rtlCol="0" anchor="ctr"/>
-              <a:lstStyle/>
-              <a:p>
-                <a:pPr algn="ctr"/>
-                <a:r>
-                  <a:rPr lang="en-CA" sz="1600" dirty="0"/>
-                  <a:t>TAP</a:t>
-                </a:r>
-                <a:endParaRPr lang="en-CA" dirty="0"/>
-              </a:p>
-            </p:txBody>
-          </p:sp>
-          <p:sp>
-            <p:nvSpPr>
-              <p:cNvPr id="29" name="Parallelogram 28"/>
-              <p:cNvSpPr/>
-              <p:nvPr/>
-            </p:nvSpPr>
-            <p:spPr>
-              <a:xfrm>
-                <a:off x="2074493" y="4868656"/>
-                <a:ext cx="1043797" cy="552091"/>
-              </a:xfrm>
-              <a:prstGeom prst="parallelogram">
-                <a:avLst/>
-              </a:prstGeom>
-            </p:spPr>
-            <p:style>
-              <a:lnRef idx="2">
-                <a:schemeClr val="accent3">
-                  <a:shade val="50000"/>
-                </a:schemeClr>
-              </a:lnRef>
-              <a:fillRef idx="1">
-                <a:schemeClr val="accent3"/>
-              </a:fillRef>
-              <a:effectRef idx="0">
-                <a:schemeClr val="accent3"/>
-              </a:effectRef>
-              <a:fontRef idx="minor">
-                <a:schemeClr val="lt1"/>
-              </a:fontRef>
-            </p:style>
-            <p:txBody>
-              <a:bodyPr rtlCol="0" anchor="ctr"/>
-              <a:lstStyle/>
-              <a:p>
-                <a:pPr algn="ctr"/>
-                <a:r>
-                  <a:rPr lang="en-CA" sz="1600" dirty="0"/>
-                  <a:t>Data</a:t>
-                </a:r>
-                <a:endParaRPr lang="en-CA" sz="4400" dirty="0"/>
-              </a:p>
-            </p:txBody>
-          </p:sp>
-        </p:grpSp>
-        <p:cxnSp>
-          <p:nvCxnSpPr>
-            <p:cNvPr id="86" name="Straight Arrow Connector 85"/>
-            <p:cNvCxnSpPr/>
-            <p:nvPr/>
-          </p:nvCxnSpPr>
-          <p:spPr>
-            <a:xfrm>
-              <a:off x="6199689" y="5809564"/>
-              <a:ext cx="0" cy="395811"/>
-            </a:xfrm>
-            <a:prstGeom prst="straightConnector1">
-              <a:avLst/>
-            </a:prstGeom>
-            <a:ln w="6350">
-              <a:solidFill>
-                <a:schemeClr val="tx1"/>
-              </a:solidFill>
-              <a:headEnd type="triangle" w="med" len="med"/>
-              <a:tailEnd type="none" w="med" len="med"/>
-            </a:ln>
-          </p:spPr>
-          <p:style>
-            <a:lnRef idx="1">
-              <a:schemeClr val="accent1"/>
-            </a:lnRef>
-            <a:fillRef idx="0">
-              <a:schemeClr val="accent1"/>
-            </a:fillRef>
-            <a:effectRef idx="0">
-              <a:schemeClr val="accent1"/>
-            </a:effectRef>
-            <a:fontRef idx="minor">
+          <a:ln w="6350">
+            <a:solidFill>
               <a:schemeClr val="tx1"/>
-            </a:fontRef>
-          </p:style>
-        </p:cxnSp>
-      </p:grpSp>
-      <p:sp>
-        <p:nvSpPr>
-          <p:cNvPr id="91" name="Rectangle 90"/>
-          <p:cNvSpPr/>
-          <p:nvPr/>
-        </p:nvSpPr>
-        <p:spPr>
-          <a:xfrm>
-            <a:off x="1526874" y="2796285"/>
-            <a:ext cx="10472789" cy="1939615"/>
-          </a:xfrm>
-          <a:prstGeom prst="rect">
-            <a:avLst/>
-          </a:prstGeom>
-          <a:solidFill>
-            <a:schemeClr val="bg1">
-              <a:lumMod val="95000"/>
-            </a:schemeClr>
-          </a:solidFill>
-          <a:ln>
-            <a:noFill/>
+            </a:solidFill>
+            <a:headEnd type="none" w="med" len="med"/>
+            <a:tailEnd type="triangle" w="med" len="med"/>
           </a:ln>
         </p:spPr>
         <p:style>
-          <a:lnRef idx="2">
-            <a:schemeClr val="accent1">
-              <a:shade val="50000"/>
-            </a:schemeClr>
+          <a:lnRef idx="1">
+            <a:schemeClr val="accent1"/>
           </a:lnRef>
-          <a:fillRef idx="1">
+          <a:fillRef idx="0">
             <a:schemeClr val="accent1"/>
           </a:fillRef>
           <a:effectRef idx="0">
             <a:schemeClr val="accent1"/>
           </a:effectRef>
           <a:fontRef idx="minor">
-            <a:schemeClr val="lt1"/>
+            <a:schemeClr val="tx1"/>
           </a:fontRef>
         </p:style>
-        <p:txBody>
-          <a:bodyPr rtlCol="0" anchor="ctr"/>
-          <a:lstStyle/>
-          <a:p>
-            <a:pPr algn="ctr"/>
-            <a:endParaRPr lang="en-CA"/>
-          </a:p>
-        </p:txBody>
-      </p:sp>
+      </p:cxnSp>
       <p:sp>
         <p:nvSpPr>
           <p:cNvPr id="92" name="Rectangle 91"/>
@@ -3638,7 +3433,7 @@
         <p:spPr>
           <a:xfrm>
             <a:off x="8456163" y="3541734"/>
-            <a:ext cx="1241830" cy="385362"/>
+            <a:ext cx="1395808" cy="385362"/>
           </a:xfrm>
           <a:prstGeom prst="flowChartProcess">
             <a:avLst/>
@@ -3667,8 +3462,13 @@
             <a:pPr algn="ctr"/>
             <a:r>
               <a:rPr lang="en-CA" sz="1400" dirty="0"/>
-              <a:t>Data staging </a:t>
-            </a:r>
+              <a:t>Data </a:t>
+            </a:r>
+            <a:r>
+              <a:rPr lang="en-CA" sz="1400" dirty="0" smtClean="0"/>
+              <a:t>staging/API </a:t>
+            </a:r>
+            <a:endParaRPr lang="en-CA" sz="1400" dirty="0"/>
           </a:p>
         </p:txBody>
       </p:sp>
@@ -3841,94 +3641,488 @@
           </a:fontRef>
         </p:style>
       </p:cxnSp>
-      <p:sp>
-        <p:nvSpPr>
-          <p:cNvPr id="123" name="Parallelogram 122"/>
-          <p:cNvSpPr/>
+      <p:grpSp>
+        <p:nvGrpSpPr>
+          <p:cNvPr id="14" name="Group 13"/>
+          <p:cNvGrpSpPr/>
           <p:nvPr/>
-        </p:nvSpPr>
+        </p:nvGrpSpPr>
+        <p:grpSpPr>
+          <a:xfrm>
+            <a:off x="5201806" y="5501637"/>
+            <a:ext cx="962179" cy="557594"/>
+            <a:chOff x="127047" y="2921635"/>
+            <a:chExt cx="962179" cy="557594"/>
+          </a:xfrm>
+        </p:grpSpPr>
+        <p:sp>
+          <p:nvSpPr>
+            <p:cNvPr id="29" name="Parallelogram 28"/>
+            <p:cNvSpPr/>
+            <p:nvPr/>
+          </p:nvSpPr>
+          <p:spPr>
+            <a:xfrm>
+              <a:off x="222688" y="3020895"/>
+              <a:ext cx="866538" cy="458334"/>
+            </a:xfrm>
+            <a:prstGeom prst="parallelogram">
+              <a:avLst/>
+            </a:prstGeom>
+          </p:spPr>
+          <p:style>
+            <a:lnRef idx="2">
+              <a:schemeClr val="accent3">
+                <a:shade val="50000"/>
+              </a:schemeClr>
+            </a:lnRef>
+            <a:fillRef idx="1">
+              <a:schemeClr val="accent3"/>
+            </a:fillRef>
+            <a:effectRef idx="0">
+              <a:schemeClr val="accent3"/>
+            </a:effectRef>
+            <a:fontRef idx="minor">
+              <a:schemeClr val="lt1"/>
+            </a:fontRef>
+          </p:style>
+          <p:txBody>
+            <a:bodyPr rtlCol="0" anchor="ctr"/>
+            <a:lstStyle/>
+            <a:p>
+              <a:pPr algn="ctr"/>
+              <a:r>
+                <a:rPr lang="en-CA" sz="1600" dirty="0"/>
+                <a:t>Data</a:t>
+              </a:r>
+              <a:endParaRPr lang="en-CA" sz="4400" dirty="0"/>
+            </a:p>
+          </p:txBody>
+        </p:sp>
+        <p:grpSp>
+          <p:nvGrpSpPr>
+            <p:cNvPr id="13" name="Group 12"/>
+            <p:cNvGrpSpPr/>
+            <p:nvPr/>
+          </p:nvGrpSpPr>
+          <p:grpSpPr>
+            <a:xfrm>
+              <a:off x="127047" y="2921635"/>
+              <a:ext cx="911789" cy="513468"/>
+              <a:chOff x="281524" y="3252624"/>
+              <a:chExt cx="911789" cy="513468"/>
+            </a:xfrm>
+          </p:grpSpPr>
+          <p:sp>
+            <p:nvSpPr>
+              <p:cNvPr id="123" name="Parallelogram 122"/>
+              <p:cNvSpPr/>
+              <p:nvPr/>
+            </p:nvSpPr>
+            <p:spPr>
+              <a:xfrm>
+                <a:off x="326775" y="3307758"/>
+                <a:ext cx="866538" cy="458334"/>
+              </a:xfrm>
+              <a:prstGeom prst="parallelogram">
+                <a:avLst/>
+              </a:prstGeom>
+            </p:spPr>
+            <p:style>
+              <a:lnRef idx="2">
+                <a:schemeClr val="accent3">
+                  <a:shade val="50000"/>
+                </a:schemeClr>
+              </a:lnRef>
+              <a:fillRef idx="1">
+                <a:schemeClr val="accent3"/>
+              </a:fillRef>
+              <a:effectRef idx="0">
+                <a:schemeClr val="accent3"/>
+              </a:effectRef>
+              <a:fontRef idx="minor">
+                <a:schemeClr val="lt1"/>
+              </a:fontRef>
+            </p:style>
+            <p:txBody>
+              <a:bodyPr rtlCol="0" anchor="ctr"/>
+              <a:lstStyle/>
+              <a:p>
+                <a:pPr algn="ctr"/>
+                <a:r>
+                  <a:rPr lang="en-CA" sz="1600" dirty="0"/>
+                  <a:t>Data</a:t>
+                </a:r>
+                <a:endParaRPr lang="en-CA" sz="4400" dirty="0"/>
+              </a:p>
+            </p:txBody>
+          </p:sp>
+          <p:sp>
+            <p:nvSpPr>
+              <p:cNvPr id="124" name="Parallelogram 123"/>
+              <p:cNvSpPr/>
+              <p:nvPr/>
+            </p:nvSpPr>
+            <p:spPr>
+              <a:xfrm>
+                <a:off x="281524" y="3252624"/>
+                <a:ext cx="866538" cy="458334"/>
+              </a:xfrm>
+              <a:prstGeom prst="parallelogram">
+                <a:avLst/>
+              </a:prstGeom>
+            </p:spPr>
+            <p:style>
+              <a:lnRef idx="2">
+                <a:schemeClr val="accent3">
+                  <a:shade val="50000"/>
+                </a:schemeClr>
+              </a:lnRef>
+              <a:fillRef idx="1">
+                <a:schemeClr val="accent3"/>
+              </a:fillRef>
+              <a:effectRef idx="0">
+                <a:schemeClr val="accent3"/>
+              </a:effectRef>
+              <a:fontRef idx="minor">
+                <a:schemeClr val="lt1"/>
+              </a:fontRef>
+            </p:style>
+            <p:txBody>
+              <a:bodyPr rtlCol="0" anchor="ctr"/>
+              <a:lstStyle/>
+              <a:p>
+                <a:pPr algn="ctr"/>
+                <a:r>
+                  <a:rPr lang="en-CA" sz="1600" dirty="0"/>
+                  <a:t>JSON</a:t>
+                </a:r>
+                <a:endParaRPr lang="en-CA" sz="4400" dirty="0"/>
+              </a:p>
+            </p:txBody>
+          </p:sp>
+        </p:grpSp>
+      </p:grpSp>
+      <p:cxnSp>
+        <p:nvCxnSpPr>
+          <p:cNvPr id="36" name="Straight Arrow Connector 35"/>
+          <p:cNvCxnSpPr/>
+          <p:nvPr/>
+        </p:nvCxnSpPr>
         <p:spPr>
-          <a:xfrm>
-            <a:off x="6329259" y="5339630"/>
-            <a:ext cx="866538" cy="458334"/>
+          <a:xfrm flipV="1">
+            <a:off x="6146423" y="5762346"/>
+            <a:ext cx="567837" cy="1481"/>
           </a:xfrm>
-          <a:prstGeom prst="parallelogram">
+          <a:prstGeom prst="straightConnector1">
             <a:avLst/>
           </a:prstGeom>
+          <a:ln w="6350">
+            <a:solidFill>
+              <a:schemeClr val="tx1"/>
+            </a:solidFill>
+            <a:headEnd type="none" w="med" len="med"/>
+            <a:tailEnd type="triangle" w="med" len="med"/>
+          </a:ln>
         </p:spPr>
         <p:style>
-          <a:lnRef idx="2">
-            <a:schemeClr val="accent3">
-              <a:shade val="50000"/>
-            </a:schemeClr>
+          <a:lnRef idx="1">
+            <a:schemeClr val="accent1"/>
           </a:lnRef>
-          <a:fillRef idx="1">
-            <a:schemeClr val="accent3"/>
+          <a:fillRef idx="0">
+            <a:schemeClr val="accent1"/>
           </a:fillRef>
           <a:effectRef idx="0">
-            <a:schemeClr val="accent3"/>
+            <a:schemeClr val="accent1"/>
           </a:effectRef>
           <a:fontRef idx="minor">
-            <a:schemeClr val="lt1"/>
+            <a:schemeClr val="tx1"/>
           </a:fontRef>
         </p:style>
-        <p:txBody>
-          <a:bodyPr rtlCol="0" anchor="ctr"/>
-          <a:lstStyle/>
-          <a:p>
-            <a:pPr algn="ctr"/>
-            <a:r>
-              <a:rPr lang="en-CA" sz="1600" dirty="0"/>
-              <a:t>Data</a:t>
-            </a:r>
-            <a:endParaRPr lang="en-CA" sz="4400" dirty="0"/>
-          </a:p>
-        </p:txBody>
-      </p:sp>
-      <p:sp>
-        <p:nvSpPr>
-          <p:cNvPr id="124" name="Parallelogram 123"/>
-          <p:cNvSpPr/>
+      </p:cxnSp>
+      <p:cxnSp>
+        <p:nvCxnSpPr>
+          <p:cNvPr id="40" name="Straight Arrow Connector 39"/>
+          <p:cNvCxnSpPr/>
           <p:nvPr/>
-        </p:nvSpPr>
+        </p:nvCxnSpPr>
         <p:spPr>
-          <a:xfrm>
-            <a:off x="6284008" y="5284496"/>
-            <a:ext cx="866538" cy="458334"/>
+          <a:xfrm flipV="1">
+            <a:off x="8069618" y="5726358"/>
+            <a:ext cx="567837" cy="1481"/>
           </a:xfrm>
-          <a:prstGeom prst="parallelogram">
+          <a:prstGeom prst="straightConnector1">
             <a:avLst/>
           </a:prstGeom>
+          <a:ln w="6350">
+            <a:solidFill>
+              <a:schemeClr val="tx1"/>
+            </a:solidFill>
+            <a:headEnd type="none" w="med" len="med"/>
+            <a:tailEnd type="triangle" w="med" len="med"/>
+          </a:ln>
         </p:spPr>
         <p:style>
-          <a:lnRef idx="2">
-            <a:schemeClr val="accent3">
-              <a:shade val="50000"/>
-            </a:schemeClr>
+          <a:lnRef idx="1">
+            <a:schemeClr val="accent1"/>
           </a:lnRef>
-          <a:fillRef idx="1">
-            <a:schemeClr val="accent3"/>
+          <a:fillRef idx="0">
+            <a:schemeClr val="accent1"/>
           </a:fillRef>
           <a:effectRef idx="0">
-            <a:schemeClr val="accent3"/>
+            <a:schemeClr val="accent1"/>
           </a:effectRef>
           <a:fontRef idx="minor">
-            <a:schemeClr val="lt1"/>
+            <a:schemeClr val="tx1"/>
           </a:fontRef>
         </p:style>
-        <p:txBody>
-          <a:bodyPr rtlCol="0" anchor="ctr"/>
-          <a:lstStyle/>
-          <a:p>
-            <a:pPr algn="ctr"/>
-            <a:r>
-              <a:rPr lang="en-CA" sz="1600" dirty="0"/>
-              <a:t>JSON</a:t>
-            </a:r>
-            <a:endParaRPr lang="en-CA" sz="4400" dirty="0"/>
-          </a:p>
-        </p:txBody>
-      </p:sp>
+      </p:cxnSp>
+      <p:grpSp>
+        <p:nvGrpSpPr>
+          <p:cNvPr id="18" name="Group 17"/>
+          <p:cNvGrpSpPr/>
+          <p:nvPr/>
+        </p:nvGrpSpPr>
+        <p:grpSpPr>
+          <a:xfrm>
+            <a:off x="6734927" y="4973835"/>
+            <a:ext cx="1398596" cy="1487346"/>
+            <a:chOff x="6734927" y="4835816"/>
+            <a:chExt cx="1398596" cy="1487346"/>
+          </a:xfrm>
+        </p:grpSpPr>
+        <p:sp>
+          <p:nvSpPr>
+            <p:cNvPr id="16" name="Rectangle 15"/>
+            <p:cNvSpPr/>
+            <p:nvPr/>
+          </p:nvSpPr>
+          <p:spPr>
+            <a:xfrm>
+              <a:off x="6734927" y="5125111"/>
+              <a:ext cx="1398596" cy="1198051"/>
+            </a:xfrm>
+            <a:prstGeom prst="rect">
+              <a:avLst/>
+            </a:prstGeom>
+          </p:spPr>
+          <p:style>
+            <a:lnRef idx="2">
+              <a:schemeClr val="accent3">
+                <a:shade val="50000"/>
+              </a:schemeClr>
+            </a:lnRef>
+            <a:fillRef idx="1">
+              <a:schemeClr val="accent3"/>
+            </a:fillRef>
+            <a:effectRef idx="0">
+              <a:schemeClr val="accent3"/>
+            </a:effectRef>
+            <a:fontRef idx="minor">
+              <a:schemeClr val="lt1"/>
+            </a:fontRef>
+          </p:style>
+          <p:txBody>
+            <a:bodyPr rtlCol="0" anchor="ctr"/>
+            <a:lstStyle/>
+            <a:p>
+              <a:pPr algn="ctr"/>
+              <a:endParaRPr lang="en-CA"/>
+            </a:p>
+          </p:txBody>
+        </p:sp>
+        <p:sp>
+          <p:nvSpPr>
+            <p:cNvPr id="41" name="Flowchart: Process 40"/>
+            <p:cNvSpPr/>
+            <p:nvPr/>
+          </p:nvSpPr>
+          <p:spPr>
+            <a:xfrm>
+              <a:off x="6809870" y="5202225"/>
+              <a:ext cx="1269096" cy="288275"/>
+            </a:xfrm>
+            <a:prstGeom prst="flowChartProcess">
+              <a:avLst/>
+            </a:prstGeom>
+            <a:solidFill>
+              <a:schemeClr val="accent6">
+                <a:lumMod val="50000"/>
+              </a:schemeClr>
+            </a:solidFill>
+          </p:spPr>
+          <p:style>
+            <a:lnRef idx="2">
+              <a:schemeClr val="accent6">
+                <a:shade val="50000"/>
+              </a:schemeClr>
+            </a:lnRef>
+            <a:fillRef idx="1">
+              <a:schemeClr val="accent6"/>
+            </a:fillRef>
+            <a:effectRef idx="0">
+              <a:schemeClr val="accent6"/>
+            </a:effectRef>
+            <a:fontRef idx="minor">
+              <a:schemeClr val="lt1"/>
+            </a:fontRef>
+          </p:style>
+          <p:txBody>
+            <a:bodyPr rtlCol="0" anchor="ctr"/>
+            <a:lstStyle/>
+            <a:p>
+              <a:pPr algn="ctr"/>
+              <a:r>
+                <a:rPr lang="en-US" sz="1600" dirty="0" smtClean="0"/>
+                <a:t>Classifier</a:t>
+              </a:r>
+              <a:endParaRPr lang="en-CA" dirty="0"/>
+            </a:p>
+          </p:txBody>
+        </p:sp>
+        <p:sp>
+          <p:nvSpPr>
+            <p:cNvPr id="42" name="Flowchart: Process 41"/>
+            <p:cNvSpPr/>
+            <p:nvPr/>
+          </p:nvSpPr>
+          <p:spPr>
+            <a:xfrm>
+              <a:off x="6797442" y="5568634"/>
+              <a:ext cx="1269096" cy="288275"/>
+            </a:xfrm>
+            <a:prstGeom prst="flowChartProcess">
+              <a:avLst/>
+            </a:prstGeom>
+            <a:solidFill>
+              <a:schemeClr val="accent6">
+                <a:lumMod val="50000"/>
+              </a:schemeClr>
+            </a:solidFill>
+          </p:spPr>
+          <p:style>
+            <a:lnRef idx="2">
+              <a:schemeClr val="accent6">
+                <a:shade val="50000"/>
+              </a:schemeClr>
+            </a:lnRef>
+            <a:fillRef idx="1">
+              <a:schemeClr val="accent6"/>
+            </a:fillRef>
+            <a:effectRef idx="0">
+              <a:schemeClr val="accent6"/>
+            </a:effectRef>
+            <a:fontRef idx="minor">
+              <a:schemeClr val="lt1"/>
+            </a:fontRef>
+          </p:style>
+          <p:txBody>
+            <a:bodyPr rtlCol="0" anchor="ctr"/>
+            <a:lstStyle/>
+            <a:p>
+              <a:pPr algn="ctr"/>
+              <a:r>
+                <a:rPr lang="en-US" sz="1600" dirty="0" smtClean="0"/>
+                <a:t>NER</a:t>
+              </a:r>
+              <a:endParaRPr lang="en-CA" dirty="0"/>
+            </a:p>
+          </p:txBody>
+        </p:sp>
+        <p:sp>
+          <p:nvSpPr>
+            <p:cNvPr id="43" name="Flowchart: Process 42"/>
+            <p:cNvSpPr/>
+            <p:nvPr/>
+          </p:nvSpPr>
+          <p:spPr>
+            <a:xfrm>
+              <a:off x="6809870" y="5956825"/>
+              <a:ext cx="1269096" cy="288275"/>
+            </a:xfrm>
+            <a:prstGeom prst="flowChartProcess">
+              <a:avLst/>
+            </a:prstGeom>
+            <a:solidFill>
+              <a:schemeClr val="accent6">
+                <a:lumMod val="50000"/>
+              </a:schemeClr>
+            </a:solidFill>
+          </p:spPr>
+          <p:style>
+            <a:lnRef idx="2">
+              <a:schemeClr val="accent6">
+                <a:shade val="50000"/>
+              </a:schemeClr>
+            </a:lnRef>
+            <a:fillRef idx="1">
+              <a:schemeClr val="accent6"/>
+            </a:fillRef>
+            <a:effectRef idx="0">
+              <a:schemeClr val="accent6"/>
+            </a:effectRef>
+            <a:fontRef idx="minor">
+              <a:schemeClr val="lt1"/>
+            </a:fontRef>
+          </p:style>
+          <p:txBody>
+            <a:bodyPr rtlCol="0" anchor="ctr"/>
+            <a:lstStyle/>
+            <a:p>
+              <a:pPr algn="ctr"/>
+              <a:r>
+                <a:rPr lang="en-US" dirty="0" smtClean="0"/>
+                <a:t>Language</a:t>
+              </a:r>
+              <a:endParaRPr lang="en-CA" dirty="0"/>
+            </a:p>
+          </p:txBody>
+        </p:sp>
+        <p:sp>
+          <p:nvSpPr>
+            <p:cNvPr id="34" name="Flowchart: Process 33"/>
+            <p:cNvSpPr/>
+            <p:nvPr/>
+          </p:nvSpPr>
+          <p:spPr>
+            <a:xfrm>
+              <a:off x="6734927" y="4835816"/>
+              <a:ext cx="1398596" cy="288275"/>
+            </a:xfrm>
+            <a:prstGeom prst="flowChartProcess">
+              <a:avLst/>
+            </a:prstGeom>
+          </p:spPr>
+          <p:style>
+            <a:lnRef idx="2">
+              <a:schemeClr val="accent6">
+                <a:shade val="50000"/>
+              </a:schemeClr>
+            </a:lnRef>
+            <a:fillRef idx="1">
+              <a:schemeClr val="accent6"/>
+            </a:fillRef>
+            <a:effectRef idx="0">
+              <a:schemeClr val="accent6"/>
+            </a:effectRef>
+            <a:fontRef idx="minor">
+              <a:schemeClr val="lt1"/>
+            </a:fontRef>
+          </p:style>
+          <p:txBody>
+            <a:bodyPr rtlCol="0" anchor="ctr"/>
+            <a:lstStyle/>
+            <a:p>
+              <a:pPr algn="ctr"/>
+              <a:r>
+                <a:rPr lang="en-US" sz="1600" dirty="0" smtClean="0"/>
+                <a:t>TAP</a:t>
+              </a:r>
+              <a:endParaRPr lang="en-CA" dirty="0"/>
+            </a:p>
+          </p:txBody>
+        </p:sp>
+      </p:grpSp>
     </p:spTree>
     <p:extLst>
       <p:ext uri="{BB962C8B-B14F-4D97-AF65-F5344CB8AC3E}">
